--- a/Course 9 - Applied Data Science Capstone/Week 5/presentation.pptx
+++ b/Course 9 - Applied Data Science Capstone/Week 5/presentation.pptx
@@ -130,6 +130,11 @@
       </a:defRPr>
     </a:lvl9pPr>
   </p:defaultTextStyle>
+  <p:extLst>
+    <p:ext uri="{EFAFB233-063F-42B5-8137-9DF3F51BA10A}">
+      <p15:sldGuideLst xmlns:p15="http://schemas.microsoft.com/office/powerpoint/2012/main"/>
+    </p:ext>
+  </p:extLst>
 </p:presentation>
 </file>
 
@@ -264,7 +269,7 @@
           <a:p>
             <a:fld id="{D50A88B6-5C7C-4317-A5A7-511AA4B770C6}" type="datetimeFigureOut">
               <a:rPr lang="es-ES" smtClean="0"/>
-              <a:t>02/02/2021</a:t>
+              <a:t>03/02/2021</a:t>
             </a:fld>
             <a:endParaRPr lang="es-ES"/>
           </a:p>
@@ -434,7 +439,7 @@
           <a:p>
             <a:fld id="{D50A88B6-5C7C-4317-A5A7-511AA4B770C6}" type="datetimeFigureOut">
               <a:rPr lang="es-ES" smtClean="0"/>
-              <a:t>02/02/2021</a:t>
+              <a:t>03/02/2021</a:t>
             </a:fld>
             <a:endParaRPr lang="es-ES"/>
           </a:p>
@@ -614,7 +619,7 @@
           <a:p>
             <a:fld id="{D50A88B6-5C7C-4317-A5A7-511AA4B770C6}" type="datetimeFigureOut">
               <a:rPr lang="es-ES" smtClean="0"/>
-              <a:t>02/02/2021</a:t>
+              <a:t>03/02/2021</a:t>
             </a:fld>
             <a:endParaRPr lang="es-ES"/>
           </a:p>
@@ -784,7 +789,7 @@
           <a:p>
             <a:fld id="{D50A88B6-5C7C-4317-A5A7-511AA4B770C6}" type="datetimeFigureOut">
               <a:rPr lang="es-ES" smtClean="0"/>
-              <a:t>02/02/2021</a:t>
+              <a:t>03/02/2021</a:t>
             </a:fld>
             <a:endParaRPr lang="es-ES"/>
           </a:p>
@@ -1030,7 +1035,7 @@
           <a:p>
             <a:fld id="{D50A88B6-5C7C-4317-A5A7-511AA4B770C6}" type="datetimeFigureOut">
               <a:rPr lang="es-ES" smtClean="0"/>
-              <a:t>02/02/2021</a:t>
+              <a:t>03/02/2021</a:t>
             </a:fld>
             <a:endParaRPr lang="es-ES"/>
           </a:p>
@@ -1262,7 +1267,7 @@
           <a:p>
             <a:fld id="{D50A88B6-5C7C-4317-A5A7-511AA4B770C6}" type="datetimeFigureOut">
               <a:rPr lang="es-ES" smtClean="0"/>
-              <a:t>02/02/2021</a:t>
+              <a:t>03/02/2021</a:t>
             </a:fld>
             <a:endParaRPr lang="es-ES"/>
           </a:p>
@@ -1629,7 +1634,7 @@
           <a:p>
             <a:fld id="{D50A88B6-5C7C-4317-A5A7-511AA4B770C6}" type="datetimeFigureOut">
               <a:rPr lang="es-ES" smtClean="0"/>
-              <a:t>02/02/2021</a:t>
+              <a:t>03/02/2021</a:t>
             </a:fld>
             <a:endParaRPr lang="es-ES"/>
           </a:p>
@@ -1747,7 +1752,7 @@
           <a:p>
             <a:fld id="{D50A88B6-5C7C-4317-A5A7-511AA4B770C6}" type="datetimeFigureOut">
               <a:rPr lang="es-ES" smtClean="0"/>
-              <a:t>02/02/2021</a:t>
+              <a:t>03/02/2021</a:t>
             </a:fld>
             <a:endParaRPr lang="es-ES"/>
           </a:p>
@@ -1842,7 +1847,7 @@
           <a:p>
             <a:fld id="{D50A88B6-5C7C-4317-A5A7-511AA4B770C6}" type="datetimeFigureOut">
               <a:rPr lang="es-ES" smtClean="0"/>
-              <a:t>02/02/2021</a:t>
+              <a:t>03/02/2021</a:t>
             </a:fld>
             <a:endParaRPr lang="es-ES"/>
           </a:p>
@@ -2119,7 +2124,7 @@
           <a:p>
             <a:fld id="{D50A88B6-5C7C-4317-A5A7-511AA4B770C6}" type="datetimeFigureOut">
               <a:rPr lang="es-ES" smtClean="0"/>
-              <a:t>02/02/2021</a:t>
+              <a:t>03/02/2021</a:t>
             </a:fld>
             <a:endParaRPr lang="es-ES"/>
           </a:p>
@@ -2372,7 +2377,7 @@
           <a:p>
             <a:fld id="{D50A88B6-5C7C-4317-A5A7-511AA4B770C6}" type="datetimeFigureOut">
               <a:rPr lang="es-ES" smtClean="0"/>
-              <a:t>02/02/2021</a:t>
+              <a:t>03/02/2021</a:t>
             </a:fld>
             <a:endParaRPr lang="es-ES"/>
           </a:p>
@@ -2585,7 +2590,7 @@
           <a:p>
             <a:fld id="{D50A88B6-5C7C-4317-A5A7-511AA4B770C6}" type="datetimeFigureOut">
               <a:rPr lang="es-ES" smtClean="0"/>
-              <a:t>02/02/2021</a:t>
+              <a:t>03/02/2021</a:t>
             </a:fld>
             <a:endParaRPr lang="es-ES"/>
           </a:p>
@@ -3077,11 +3082,7 @@
           <a:p>
             <a:r>
               <a:rPr lang="es-ES" dirty="0" smtClean="0"/>
-              <a:t>Narciso López </a:t>
-            </a:r>
-            <a:r>
-              <a:rPr lang="es-ES" dirty="0" smtClean="0"/>
-              <a:t>López</a:t>
+              <a:t>Narciso López López</a:t>
             </a:r>
             <a:endParaRPr lang="es-ES" dirty="0"/>
           </a:p>
@@ -4771,7 +4772,7 @@
         <p:spPr>
           <a:xfrm>
             <a:off x="742157" y="1798615"/>
-            <a:ext cx="10616867" cy="4062651"/>
+            <a:ext cx="10616867" cy="4678204"/>
           </a:xfrm>
           <a:prstGeom prst="rect">
             <a:avLst/>
@@ -4847,7 +4848,35 @@
                 <a:latin typeface="Calibri" panose="020F0502020204030204" pitchFamily="34" charset="0"/>
                 <a:cs typeface="Calibri" panose="020F0502020204030204" pitchFamily="34" charset="0"/>
               </a:rPr>
-              <a:t>Thanks to this project, we will be able to know if opening a Mediterranean cuisine restaurant in Toronto is a viable project or not. On the other hand, the target audience will be all people who have an exquisite palate and want to taste the flavors of Mediterranean cuisine.</a:t>
+              <a:t>Thanks to this project, we will be able to know if opening a Mediterranean cuisine restaurant in Toronto is a viable project or not. </a:t>
+            </a:r>
+            <a:r>
+              <a:rPr lang="en-US" sz="2000" dirty="0">
+                <a:latin typeface="Calibri" panose="020F0502020204030204" pitchFamily="34" charset="0"/>
+                <a:cs typeface="Calibri" panose="020F0502020204030204" pitchFamily="34" charset="0"/>
+              </a:rPr>
+              <a:t>This project may be useful for entrepreneurs who are looking to invest in a restaurant in a neighborhood in </a:t>
+            </a:r>
+            <a:r>
+              <a:rPr lang="en-US" sz="2000">
+                <a:latin typeface="Calibri" panose="020F0502020204030204" pitchFamily="34" charset="0"/>
+                <a:cs typeface="Calibri" panose="020F0502020204030204" pitchFamily="34" charset="0"/>
+              </a:rPr>
+              <a:t>Toronto</a:t>
+            </a:r>
+            <a:r>
+              <a:rPr lang="en-US" sz="2000" smtClean="0">
+                <a:latin typeface="Calibri" panose="020F0502020204030204" pitchFamily="34" charset="0"/>
+                <a:cs typeface="Calibri" panose="020F0502020204030204" pitchFamily="34" charset="0"/>
+              </a:rPr>
+              <a:t>. On </a:t>
+            </a:r>
+            <a:r>
+              <a:rPr lang="en-US" sz="2000" dirty="0">
+                <a:latin typeface="Calibri" panose="020F0502020204030204" pitchFamily="34" charset="0"/>
+                <a:cs typeface="Calibri" panose="020F0502020204030204" pitchFamily="34" charset="0"/>
+              </a:rPr>
+              <a:t>the other hand, the target audience will be all people who have an exquisite palate and want to taste the flavors of Mediterranean cuisine.</a:t>
             </a:r>
             <a:endParaRPr lang="es-ES" sz="2000" dirty="0">
               <a:latin typeface="Calibri" panose="020F0502020204030204" pitchFamily="34" charset="0"/>
@@ -6247,11 +6276,7 @@
           <a:p>
             <a:r>
               <a:rPr lang="es-ES" dirty="0" smtClean="0"/>
-              <a:t>Narciso López </a:t>
-            </a:r>
-            <a:r>
-              <a:rPr lang="es-ES" dirty="0" smtClean="0"/>
-              <a:t>López</a:t>
+              <a:t>Narciso López López</a:t>
             </a:r>
             <a:endParaRPr lang="es-ES" dirty="0"/>
           </a:p>
